--- a/Presentation.pptx
+++ b/Presentation.pptx
@@ -3225,21 +3225,39 @@
             <a:pPr lvl="1"/>
             <a:r>
               <a:rPr lang="en-US" dirty="0" smtClean="0"/>
-              <a:t>497 Restaurants</a:t>
-            </a:r>
+              <a:t>286 Restaurants</a:t>
+            </a:r>
+            <a:endParaRPr lang="en-US" dirty="0" smtClean="0"/>
           </a:p>
           <a:p>
             <a:pPr lvl="1"/>
             <a:r>
               <a:rPr lang="en-US" dirty="0" smtClean="0"/>
-              <a:t>677 users giving 7,195 ratings</a:t>
-            </a:r>
+              <a:t>663 </a:t>
+            </a:r>
+            <a:r>
+              <a:rPr lang="en-US" dirty="0" smtClean="0"/>
+              <a:t>users giving </a:t>
+            </a:r>
+            <a:r>
+              <a:rPr lang="en-US" dirty="0" smtClean="0"/>
+              <a:t>6,008 ratings</a:t>
+            </a:r>
+            <a:endParaRPr lang="en-US" dirty="0" smtClean="0"/>
           </a:p>
           <a:p>
             <a:pPr lvl="1"/>
             <a:r>
               <a:rPr lang="en-US" dirty="0" smtClean="0"/>
-              <a:t>&lt; 3% ratings matrix completed</a:t>
+              <a:t>&lt; </a:t>
+            </a:r>
+            <a:r>
+              <a:rPr lang="en-US" dirty="0" smtClean="0"/>
+              <a:t>3.2% </a:t>
+            </a:r>
+            <a:r>
+              <a:rPr lang="en-US" dirty="0" smtClean="0"/>
+              <a:t>ratings matrix completed</a:t>
             </a:r>
           </a:p>
           <a:p>
@@ -3408,7 +3426,15 @@
           <a:p>
             <a:r>
               <a:rPr lang="en-US" dirty="0" smtClean="0"/>
-              <a:t>k = 147, MSE &lt; 0.00002</a:t>
+              <a:t>k = </a:t>
+            </a:r>
+            <a:r>
+              <a:rPr lang="en-US" dirty="0" smtClean="0"/>
+              <a:t>143, </a:t>
+            </a:r>
+            <a:r>
+              <a:rPr lang="en-US" dirty="0" smtClean="0"/>
+              <a:t>MSE &lt; 0.00002</a:t>
             </a:r>
           </a:p>
           <a:p>
@@ -3471,13 +3497,11 @@
       </p:sp>
       <p:pic>
         <p:nvPicPr>
-          <p:cNvPr id="4" name="Content Placeholder 3"/>
+          <p:cNvPr id="1026" name="Picture 2"/>
           <p:cNvPicPr>
-            <a:picLocks noGrp="1"/>
+            <a:picLocks noChangeAspect="1" noChangeArrowheads="1"/>
           </p:cNvPicPr>
-          <p:nvPr>
-            <p:ph idx="1"/>
-          </p:nvPr>
+          <p:nvPr/>
         </p:nvPicPr>
         <p:blipFill>
           <a:blip r:embed="rId2">
@@ -3494,13 +3518,45 @@
         </p:blipFill>
         <p:spPr bwMode="auto">
           <a:xfrm>
-            <a:off x="46389" y="1295400"/>
-            <a:ext cx="9001040" cy="5410200"/>
+            <a:off x="76200" y="1336138"/>
+            <a:ext cx="8932606" cy="5369462"/>
           </a:xfrm>
           <a:prstGeom prst="rect">
             <a:avLst/>
           </a:prstGeom>
           <a:noFill/>
+          <a:ln>
+            <a:noFill/>
+          </a:ln>
+          <a:effectLst/>
+          <a:extLst>
+            <a:ext uri="{909E8E84-426E-40DD-AFC4-6F175D3DCCD1}">
+              <a14:hiddenFill xmlns:a14="http://schemas.microsoft.com/office/drawing/2010/main">
+                <a:solidFill>
+                  <a:schemeClr val="accent1"/>
+                </a:solidFill>
+              </a14:hiddenFill>
+            </a:ext>
+            <a:ext uri="{91240B29-F687-4F45-9708-019B960494DF}">
+              <a14:hiddenLine xmlns:a14="http://schemas.microsoft.com/office/drawing/2010/main" w="9525">
+                <a:solidFill>
+                  <a:schemeClr val="tx1"/>
+                </a:solidFill>
+                <a:miter lim="800000"/>
+                <a:headEnd/>
+                <a:tailEnd/>
+              </a14:hiddenLine>
+            </a:ext>
+            <a:ext uri="{AF507438-7753-43E0-B8FC-AC1667EBCBE1}">
+              <a14:hiddenEffects xmlns:a14="http://schemas.microsoft.com/office/drawing/2010/main">
+                <a:effectLst>
+                  <a:outerShdw dist="35921" dir="2700000" algn="ctr" rotWithShape="0">
+                    <a:schemeClr val="bg2"/>
+                  </a:outerShdw>
+                </a:effectLst>
+              </a14:hiddenEffects>
+            </a:ext>
+          </a:extLst>
         </p:spPr>
       </p:pic>
     </p:spTree>

--- a/Presentation.pptx
+++ b/Presentation.pptx
@@ -3227,23 +3227,17 @@
               <a:rPr lang="en-US" dirty="0" smtClean="0"/>
               <a:t>286 Restaurants</a:t>
             </a:r>
-            <a:endParaRPr lang="en-US" dirty="0" smtClean="0"/>
           </a:p>
           <a:p>
             <a:pPr lvl="1"/>
             <a:r>
               <a:rPr lang="en-US" dirty="0" smtClean="0"/>
-              <a:t>663 </a:t>
+              <a:t>2255 </a:t>
             </a:r>
             <a:r>
               <a:rPr lang="en-US" dirty="0" smtClean="0"/>
-              <a:t>users giving </a:t>
-            </a:r>
-            <a:r>
-              <a:rPr lang="en-US" dirty="0" smtClean="0"/>
-              <a:t>6,008 ratings</a:t>
-            </a:r>
-            <a:endParaRPr lang="en-US" dirty="0" smtClean="0"/>
+              <a:t>users giving 6,008 ratings</a:t>
+            </a:r>
           </a:p>
           <a:p>
             <a:pPr lvl="1"/>
@@ -3253,7 +3247,7 @@
             </a:r>
             <a:r>
               <a:rPr lang="en-US" dirty="0" smtClean="0"/>
-              <a:t>3.2% </a:t>
+              <a:t>1% </a:t>
             </a:r>
             <a:r>
               <a:rPr lang="en-US" dirty="0" smtClean="0"/>
@@ -3430,12 +3424,17 @@
             </a:r>
             <a:r>
               <a:rPr lang="en-US" dirty="0" smtClean="0"/>
-              <a:t>143, </a:t>
+              <a:t>257, </a:t>
             </a:r>
             <a:r>
               <a:rPr lang="en-US" dirty="0" smtClean="0"/>
-              <a:t>MSE &lt; 0.00002</a:t>
-            </a:r>
+              <a:t>MSE &lt; </a:t>
+            </a:r>
+            <a:r>
+              <a:rPr lang="en-US" dirty="0" smtClean="0"/>
+              <a:t>0.0000008</a:t>
+            </a:r>
+            <a:endParaRPr lang="en-US" dirty="0" smtClean="0"/>
           </a:p>
           <a:p>
             <a:endParaRPr lang="en-US" dirty="0"/>
@@ -3497,7 +3496,7 @@
       </p:sp>
       <p:pic>
         <p:nvPicPr>
-          <p:cNvPr id="1026" name="Picture 2"/>
+          <p:cNvPr id="3" name="Picture 2"/>
           <p:cNvPicPr>
             <a:picLocks noChangeAspect="1" noChangeArrowheads="1"/>
           </p:cNvPicPr>
@@ -3518,8 +3517,8 @@
         </p:blipFill>
         <p:spPr bwMode="auto">
           <a:xfrm>
-            <a:off x="76200" y="1336138"/>
-            <a:ext cx="8932606" cy="5369462"/>
+            <a:off x="152400" y="1219200"/>
+            <a:ext cx="8856406" cy="5323657"/>
           </a:xfrm>
           <a:prstGeom prst="rect">
             <a:avLst/>

--- a/Presentation.pptx
+++ b/Presentation.pptx
@@ -12,6 +12,7 @@
     <p:sldId id="259" r:id="rId6"/>
     <p:sldId id="262" r:id="rId7"/>
     <p:sldId id="260" r:id="rId8"/>
+    <p:sldId id="263" r:id="rId9"/>
   </p:sldIdLst>
   <p:sldSz cx="9144000" cy="6858000" type="screen4x3"/>
   <p:notesSz cx="6858000" cy="9144000"/>
@@ -294,7 +295,7 @@
           <a:p>
             <a:fld id="{E436E0E4-200F-41E8-A9F0-6E75F5AC3ED2}" type="datetimeFigureOut">
               <a:rPr lang="en-US" smtClean="0"/>
-              <a:t>4/21/2013</a:t>
+              <a:t>4/22/2013</a:t>
             </a:fld>
             <a:endParaRPr lang="en-US"/>
           </a:p>
@@ -464,7 +465,7 @@
           <a:p>
             <a:fld id="{E436E0E4-200F-41E8-A9F0-6E75F5AC3ED2}" type="datetimeFigureOut">
               <a:rPr lang="en-US" smtClean="0"/>
-              <a:t>4/21/2013</a:t>
+              <a:t>4/22/2013</a:t>
             </a:fld>
             <a:endParaRPr lang="en-US"/>
           </a:p>
@@ -644,7 +645,7 @@
           <a:p>
             <a:fld id="{E436E0E4-200F-41E8-A9F0-6E75F5AC3ED2}" type="datetimeFigureOut">
               <a:rPr lang="en-US" smtClean="0"/>
-              <a:t>4/21/2013</a:t>
+              <a:t>4/22/2013</a:t>
             </a:fld>
             <a:endParaRPr lang="en-US"/>
           </a:p>
@@ -814,7 +815,7 @@
           <a:p>
             <a:fld id="{E436E0E4-200F-41E8-A9F0-6E75F5AC3ED2}" type="datetimeFigureOut">
               <a:rPr lang="en-US" smtClean="0"/>
-              <a:t>4/21/2013</a:t>
+              <a:t>4/22/2013</a:t>
             </a:fld>
             <a:endParaRPr lang="en-US"/>
           </a:p>
@@ -1060,7 +1061,7 @@
           <a:p>
             <a:fld id="{E436E0E4-200F-41E8-A9F0-6E75F5AC3ED2}" type="datetimeFigureOut">
               <a:rPr lang="en-US" smtClean="0"/>
-              <a:t>4/21/2013</a:t>
+              <a:t>4/22/2013</a:t>
             </a:fld>
             <a:endParaRPr lang="en-US"/>
           </a:p>
@@ -1348,7 +1349,7 @@
           <a:p>
             <a:fld id="{E436E0E4-200F-41E8-A9F0-6E75F5AC3ED2}" type="datetimeFigureOut">
               <a:rPr lang="en-US" smtClean="0"/>
-              <a:t>4/21/2013</a:t>
+              <a:t>4/22/2013</a:t>
             </a:fld>
             <a:endParaRPr lang="en-US"/>
           </a:p>
@@ -1770,7 +1771,7 @@
           <a:p>
             <a:fld id="{E436E0E4-200F-41E8-A9F0-6E75F5AC3ED2}" type="datetimeFigureOut">
               <a:rPr lang="en-US" smtClean="0"/>
-              <a:t>4/21/2013</a:t>
+              <a:t>4/22/2013</a:t>
             </a:fld>
             <a:endParaRPr lang="en-US"/>
           </a:p>
@@ -1888,7 +1889,7 @@
           <a:p>
             <a:fld id="{E436E0E4-200F-41E8-A9F0-6E75F5AC3ED2}" type="datetimeFigureOut">
               <a:rPr lang="en-US" smtClean="0"/>
-              <a:t>4/21/2013</a:t>
+              <a:t>4/22/2013</a:t>
             </a:fld>
             <a:endParaRPr lang="en-US"/>
           </a:p>
@@ -1983,7 +1984,7 @@
           <a:p>
             <a:fld id="{E436E0E4-200F-41E8-A9F0-6E75F5AC3ED2}" type="datetimeFigureOut">
               <a:rPr lang="en-US" smtClean="0"/>
-              <a:t>4/21/2013</a:t>
+              <a:t>4/22/2013</a:t>
             </a:fld>
             <a:endParaRPr lang="en-US"/>
           </a:p>
@@ -2260,7 +2261,7 @@
           <a:p>
             <a:fld id="{E436E0E4-200F-41E8-A9F0-6E75F5AC3ED2}" type="datetimeFigureOut">
               <a:rPr lang="en-US" smtClean="0"/>
-              <a:t>4/21/2013</a:t>
+              <a:t>4/22/2013</a:t>
             </a:fld>
             <a:endParaRPr lang="en-US"/>
           </a:p>
@@ -2513,7 +2514,7 @@
           <a:p>
             <a:fld id="{E436E0E4-200F-41E8-A9F0-6E75F5AC3ED2}" type="datetimeFigureOut">
               <a:rPr lang="en-US" smtClean="0"/>
-              <a:t>4/21/2013</a:t>
+              <a:t>4/22/2013</a:t>
             </a:fld>
             <a:endParaRPr lang="en-US"/>
           </a:p>
@@ -2726,7 +2727,7 @@
           <a:p>
             <a:fld id="{E436E0E4-200F-41E8-A9F0-6E75F5AC3ED2}" type="datetimeFigureOut">
               <a:rPr lang="en-US" smtClean="0"/>
-              <a:t>4/21/2013</a:t>
+              <a:t>4/22/2013</a:t>
             </a:fld>
             <a:endParaRPr lang="en-US"/>
           </a:p>
@@ -3232,26 +3233,14 @@
             <a:pPr lvl="1"/>
             <a:r>
               <a:rPr lang="en-US" dirty="0" smtClean="0"/>
-              <a:t>2255 </a:t>
-            </a:r>
+              <a:t>2255 users giving 6,008 ratings</a:t>
+            </a:r>
+          </a:p>
+          <a:p>
+            <a:pPr lvl="1"/>
             <a:r>
               <a:rPr lang="en-US" dirty="0" smtClean="0"/>
-              <a:t>users giving 6,008 ratings</a:t>
-            </a:r>
-          </a:p>
-          <a:p>
-            <a:pPr lvl="1"/>
-            <a:r>
-              <a:rPr lang="en-US" dirty="0" smtClean="0"/>
-              <a:t>&lt; </a:t>
-            </a:r>
-            <a:r>
-              <a:rPr lang="en-US" dirty="0" smtClean="0"/>
-              <a:t>1% </a:t>
-            </a:r>
-            <a:r>
-              <a:rPr lang="en-US" dirty="0" smtClean="0"/>
-              <a:t>ratings matrix completed</a:t>
+              <a:t>&lt; 1% ratings matrix completed</a:t>
             </a:r>
           </a:p>
           <a:p>
@@ -3420,21 +3409,8 @@
           <a:p>
             <a:r>
               <a:rPr lang="en-US" dirty="0" smtClean="0"/>
-              <a:t>k = </a:t>
-            </a:r>
-            <a:r>
-              <a:rPr lang="en-US" dirty="0" smtClean="0"/>
-              <a:t>257, </a:t>
-            </a:r>
-            <a:r>
-              <a:rPr lang="en-US" dirty="0" smtClean="0"/>
-              <a:t>MSE &lt; </a:t>
-            </a:r>
-            <a:r>
-              <a:rPr lang="en-US" dirty="0" smtClean="0"/>
-              <a:t>0.0000008</a:t>
-            </a:r>
-            <a:endParaRPr lang="en-US" dirty="0" smtClean="0"/>
+              <a:t>k = 257, MSE &lt; 0.0000008</a:t>
+            </a:r>
           </a:p>
           <a:p>
             <a:endParaRPr lang="en-US" dirty="0"/>
@@ -3815,9 +3791,20 @@
           </a:p>
           <a:p>
             <a:r>
-              <a:rPr lang="en-US" smtClean="0"/>
-              <a:t>More empirical results on recommendations</a:t>
-            </a:r>
+              <a:rPr lang="en-US" dirty="0" smtClean="0"/>
+              <a:t>More empirical results on </a:t>
+            </a:r>
+            <a:r>
+              <a:rPr lang="en-US" dirty="0" smtClean="0"/>
+              <a:t>recommendations</a:t>
+            </a:r>
+          </a:p>
+          <a:p>
+            <a:r>
+              <a:rPr lang="en-US" dirty="0" smtClean="0"/>
+              <a:t>Automatic prediction updates</a:t>
+            </a:r>
+            <a:endParaRPr lang="en-US" dirty="0" smtClean="0"/>
           </a:p>
         </p:txBody>
       </p:sp>
@@ -3825,6 +3812,79 @@
     <p:extLst>
       <p:ext uri="{BB962C8B-B14F-4D97-AF65-F5344CB8AC3E}">
         <p14:creationId xmlns:p14="http://schemas.microsoft.com/office/powerpoint/2010/main" val="898282114"/>
+      </p:ext>
+    </p:extLst>
+  </p:cSld>
+  <p:clrMapOvr>
+    <a:masterClrMapping/>
+  </p:clrMapOvr>
+</p:sld>
+</file>
+
+<file path=ppt/slides/slide8.xml><?xml version="1.0" encoding="utf-8"?>
+<p:sld xmlns:a="http://schemas.openxmlformats.org/drawingml/2006/main" xmlns:r="http://schemas.openxmlformats.org/officeDocument/2006/relationships" xmlns:p="http://schemas.openxmlformats.org/presentationml/2006/main">
+  <p:cSld>
+    <p:spTree>
+      <p:nvGrpSpPr>
+        <p:cNvPr id="1" name=""/>
+        <p:cNvGrpSpPr/>
+        <p:nvPr/>
+      </p:nvGrpSpPr>
+      <p:grpSpPr>
+        <a:xfrm>
+          <a:off x="0" y="0"/>
+          <a:ext cx="0" cy="0"/>
+          <a:chOff x="0" y="0"/>
+          <a:chExt cx="0" cy="0"/>
+        </a:xfrm>
+      </p:grpSpPr>
+      <p:sp>
+        <p:nvSpPr>
+          <p:cNvPr id="2" name="Title 1"/>
+          <p:cNvSpPr>
+            <a:spLocks noGrp="1"/>
+          </p:cNvSpPr>
+          <p:nvPr>
+            <p:ph type="title"/>
+          </p:nvPr>
+        </p:nvSpPr>
+        <p:spPr/>
+        <p:txBody>
+          <a:bodyPr/>
+          <a:lstStyle/>
+          <a:p>
+            <a:pPr algn="ctr"/>
+            <a:r>
+              <a:rPr lang="en-US" dirty="0" smtClean="0"/>
+              <a:t>Questions?</a:t>
+            </a:r>
+            <a:endParaRPr lang="en-US" dirty="0"/>
+          </a:p>
+        </p:txBody>
+      </p:sp>
+      <p:sp>
+        <p:nvSpPr>
+          <p:cNvPr id="3" name="Text Placeholder 2"/>
+          <p:cNvSpPr>
+            <a:spLocks noGrp="1"/>
+          </p:cNvSpPr>
+          <p:nvPr>
+            <p:ph type="body" idx="1"/>
+          </p:nvPr>
+        </p:nvSpPr>
+        <p:spPr/>
+        <p:txBody>
+          <a:bodyPr/>
+          <a:lstStyle/>
+          <a:p>
+            <a:endParaRPr lang="en-US"/>
+          </a:p>
+        </p:txBody>
+      </p:sp>
+    </p:spTree>
+    <p:extLst>
+      <p:ext uri="{BB962C8B-B14F-4D97-AF65-F5344CB8AC3E}">
+        <p14:creationId xmlns:p14="http://schemas.microsoft.com/office/powerpoint/2010/main" val="1756176353"/>
       </p:ext>
     </p:extLst>
   </p:cSld>

--- a/Presentation.pptx
+++ b/Presentation.pptx
@@ -10,8 +10,8 @@
     <p:sldId id="258" r:id="rId4"/>
     <p:sldId id="261" r:id="rId5"/>
     <p:sldId id="259" r:id="rId6"/>
-    <p:sldId id="262" r:id="rId7"/>
-    <p:sldId id="260" r:id="rId8"/>
+    <p:sldId id="260" r:id="rId7"/>
+    <p:sldId id="264" r:id="rId8"/>
     <p:sldId id="263" r:id="rId9"/>
   </p:sldIdLst>
   <p:sldSz cx="9144000" cy="6858000" type="screen4x3"/>
@@ -295,7 +295,7 @@
           <a:p>
             <a:fld id="{E436E0E4-200F-41E8-A9F0-6E75F5AC3ED2}" type="datetimeFigureOut">
               <a:rPr lang="en-US" smtClean="0"/>
-              <a:t>4/22/2013</a:t>
+              <a:t>4/23/2013</a:t>
             </a:fld>
             <a:endParaRPr lang="en-US"/>
           </a:p>
@@ -465,7 +465,7 @@
           <a:p>
             <a:fld id="{E436E0E4-200F-41E8-A9F0-6E75F5AC3ED2}" type="datetimeFigureOut">
               <a:rPr lang="en-US" smtClean="0"/>
-              <a:t>4/22/2013</a:t>
+              <a:t>4/23/2013</a:t>
             </a:fld>
             <a:endParaRPr lang="en-US"/>
           </a:p>
@@ -645,7 +645,7 @@
           <a:p>
             <a:fld id="{E436E0E4-200F-41E8-A9F0-6E75F5AC3ED2}" type="datetimeFigureOut">
               <a:rPr lang="en-US" smtClean="0"/>
-              <a:t>4/22/2013</a:t>
+              <a:t>4/23/2013</a:t>
             </a:fld>
             <a:endParaRPr lang="en-US"/>
           </a:p>
@@ -815,7 +815,7 @@
           <a:p>
             <a:fld id="{E436E0E4-200F-41E8-A9F0-6E75F5AC3ED2}" type="datetimeFigureOut">
               <a:rPr lang="en-US" smtClean="0"/>
-              <a:t>4/22/2013</a:t>
+              <a:t>4/23/2013</a:t>
             </a:fld>
             <a:endParaRPr lang="en-US"/>
           </a:p>
@@ -1061,7 +1061,7 @@
           <a:p>
             <a:fld id="{E436E0E4-200F-41E8-A9F0-6E75F5AC3ED2}" type="datetimeFigureOut">
               <a:rPr lang="en-US" smtClean="0"/>
-              <a:t>4/22/2013</a:t>
+              <a:t>4/23/2013</a:t>
             </a:fld>
             <a:endParaRPr lang="en-US"/>
           </a:p>
@@ -1349,7 +1349,7 @@
           <a:p>
             <a:fld id="{E436E0E4-200F-41E8-A9F0-6E75F5AC3ED2}" type="datetimeFigureOut">
               <a:rPr lang="en-US" smtClean="0"/>
-              <a:t>4/22/2013</a:t>
+              <a:t>4/23/2013</a:t>
             </a:fld>
             <a:endParaRPr lang="en-US"/>
           </a:p>
@@ -1771,7 +1771,7 @@
           <a:p>
             <a:fld id="{E436E0E4-200F-41E8-A9F0-6E75F5AC3ED2}" type="datetimeFigureOut">
               <a:rPr lang="en-US" smtClean="0"/>
-              <a:t>4/22/2013</a:t>
+              <a:t>4/23/2013</a:t>
             </a:fld>
             <a:endParaRPr lang="en-US"/>
           </a:p>
@@ -1889,7 +1889,7 @@
           <a:p>
             <a:fld id="{E436E0E4-200F-41E8-A9F0-6E75F5AC3ED2}" type="datetimeFigureOut">
               <a:rPr lang="en-US" smtClean="0"/>
-              <a:t>4/22/2013</a:t>
+              <a:t>4/23/2013</a:t>
             </a:fld>
             <a:endParaRPr lang="en-US"/>
           </a:p>
@@ -1984,7 +1984,7 @@
           <a:p>
             <a:fld id="{E436E0E4-200F-41E8-A9F0-6E75F5AC3ED2}" type="datetimeFigureOut">
               <a:rPr lang="en-US" smtClean="0"/>
-              <a:t>4/22/2013</a:t>
+              <a:t>4/23/2013</a:t>
             </a:fld>
             <a:endParaRPr lang="en-US"/>
           </a:p>
@@ -2261,7 +2261,7 @@
           <a:p>
             <a:fld id="{E436E0E4-200F-41E8-A9F0-6E75F5AC3ED2}" type="datetimeFigureOut">
               <a:rPr lang="en-US" smtClean="0"/>
-              <a:t>4/22/2013</a:t>
+              <a:t>4/23/2013</a:t>
             </a:fld>
             <a:endParaRPr lang="en-US"/>
           </a:p>
@@ -2514,7 +2514,7 @@
           <a:p>
             <a:fld id="{E436E0E4-200F-41E8-A9F0-6E75F5AC3ED2}" type="datetimeFigureOut">
               <a:rPr lang="en-US" smtClean="0"/>
-              <a:t>4/22/2013</a:t>
+              <a:t>4/23/2013</a:t>
             </a:fld>
             <a:endParaRPr lang="en-US"/>
           </a:p>
@@ -2727,7 +2727,7 @@
           <a:p>
             <a:fld id="{E436E0E4-200F-41E8-A9F0-6E75F5AC3ED2}" type="datetimeFigureOut">
               <a:rPr lang="en-US" smtClean="0"/>
-              <a:t>4/22/2013</a:t>
+              <a:t>4/23/2013</a:t>
             </a:fld>
             <a:endParaRPr lang="en-US"/>
           </a:p>
@@ -3147,6 +3147,64 @@
           </a:p>
         </p:txBody>
       </p:sp>
+      <p:pic>
+        <p:nvPicPr>
+          <p:cNvPr id="4" name="Picture 3"/>
+          <p:cNvPicPr>
+            <a:picLocks noChangeAspect="1"/>
+          </p:cNvPicPr>
+          <p:nvPr/>
+        </p:nvPicPr>
+        <p:blipFill rotWithShape="1">
+          <a:blip r:embed="rId2">
+            <a:extLst>
+              <a:ext uri="{28A0092B-C50C-407E-A947-70E740481C1C}">
+                <a14:useLocalDpi xmlns:a14="http://schemas.microsoft.com/office/drawing/2010/main" val="0"/>
+              </a:ext>
+            </a:extLst>
+          </a:blip>
+          <a:srcRect l="14445" t="28889" r="15881" b="35555"/>
+          <a:stretch/>
+        </p:blipFill>
+        <p:spPr>
+          <a:xfrm>
+            <a:off x="512618" y="533400"/>
+            <a:ext cx="2687782" cy="2438400"/>
+          </a:xfrm>
+          <a:prstGeom prst="rect">
+            <a:avLst/>
+          </a:prstGeom>
+        </p:spPr>
+      </p:pic>
+      <p:pic>
+        <p:nvPicPr>
+          <p:cNvPr id="5" name="Picture 4"/>
+          <p:cNvPicPr>
+            <a:picLocks noChangeAspect="1"/>
+          </p:cNvPicPr>
+          <p:nvPr/>
+        </p:nvPicPr>
+        <p:blipFill rotWithShape="1">
+          <a:blip r:embed="rId2">
+            <a:extLst>
+              <a:ext uri="{28A0092B-C50C-407E-A947-70E740481C1C}">
+                <a14:useLocalDpi xmlns:a14="http://schemas.microsoft.com/office/drawing/2010/main" val="0"/>
+              </a:ext>
+            </a:extLst>
+          </a:blip>
+          <a:srcRect l="14445" t="28889" r="15881" b="35555"/>
+          <a:stretch/>
+        </p:blipFill>
+        <p:spPr>
+          <a:xfrm>
+            <a:off x="6068291" y="533400"/>
+            <a:ext cx="2687782" cy="2438400"/>
+          </a:xfrm>
+          <a:prstGeom prst="rect">
+            <a:avLst/>
+          </a:prstGeom>
+        </p:spPr>
+      </p:pic>
     </p:spTree>
     <p:extLst>
       <p:ext uri="{BB962C8B-B14F-4D97-AF65-F5344CB8AC3E}">
@@ -3282,6 +3340,64 @@
           </a:p>
         </p:txBody>
       </p:sp>
+      <p:pic>
+        <p:nvPicPr>
+          <p:cNvPr id="4" name="Picture 3"/>
+          <p:cNvPicPr>
+            <a:picLocks noChangeAspect="1"/>
+          </p:cNvPicPr>
+          <p:nvPr/>
+        </p:nvPicPr>
+        <p:blipFill rotWithShape="1">
+          <a:blip r:embed="rId2" cstate="print">
+            <a:extLst>
+              <a:ext uri="{28A0092B-C50C-407E-A947-70E740481C1C}">
+                <a14:useLocalDpi xmlns:a14="http://schemas.microsoft.com/office/drawing/2010/main" val="0"/>
+              </a:ext>
+            </a:extLst>
+          </a:blip>
+          <a:srcRect l="14445" t="28889" r="15881" b="35555"/>
+          <a:stretch/>
+        </p:blipFill>
+        <p:spPr>
+          <a:xfrm>
+            <a:off x="315191" y="228600"/>
+            <a:ext cx="1544782" cy="1401452"/>
+          </a:xfrm>
+          <a:prstGeom prst="rect">
+            <a:avLst/>
+          </a:prstGeom>
+        </p:spPr>
+      </p:pic>
+      <p:pic>
+        <p:nvPicPr>
+          <p:cNvPr id="5" name="Picture 4"/>
+          <p:cNvPicPr>
+            <a:picLocks noChangeAspect="1"/>
+          </p:cNvPicPr>
+          <p:nvPr/>
+        </p:nvPicPr>
+        <p:blipFill rotWithShape="1">
+          <a:blip r:embed="rId2" cstate="print">
+            <a:extLst>
+              <a:ext uri="{28A0092B-C50C-407E-A947-70E740481C1C}">
+                <a14:useLocalDpi xmlns:a14="http://schemas.microsoft.com/office/drawing/2010/main" val="0"/>
+              </a:ext>
+            </a:extLst>
+          </a:blip>
+          <a:srcRect l="14445" t="28889" r="15881" b="35555"/>
+          <a:stretch/>
+        </p:blipFill>
+        <p:spPr>
+          <a:xfrm>
+            <a:off x="7239000" y="228600"/>
+            <a:ext cx="1544782" cy="1401452"/>
+          </a:xfrm>
+          <a:prstGeom prst="rect">
+            <a:avLst/>
+          </a:prstGeom>
+        </p:spPr>
+      </p:pic>
     </p:spTree>
     <p:extLst>
       <p:ext uri="{BB962C8B-B14F-4D97-AF65-F5344CB8AC3E}">
@@ -3417,6 +3533,64 @@
           </a:p>
         </p:txBody>
       </p:sp>
+      <p:pic>
+        <p:nvPicPr>
+          <p:cNvPr id="4" name="Picture 3"/>
+          <p:cNvPicPr>
+            <a:picLocks noChangeAspect="1"/>
+          </p:cNvPicPr>
+          <p:nvPr/>
+        </p:nvPicPr>
+        <p:blipFill rotWithShape="1">
+          <a:blip r:embed="rId2" cstate="print">
+            <a:extLst>
+              <a:ext uri="{28A0092B-C50C-407E-A947-70E740481C1C}">
+                <a14:useLocalDpi xmlns:a14="http://schemas.microsoft.com/office/drawing/2010/main" val="0"/>
+              </a:ext>
+            </a:extLst>
+          </a:blip>
+          <a:srcRect l="14445" t="28889" r="15881" b="35555"/>
+          <a:stretch/>
+        </p:blipFill>
+        <p:spPr>
+          <a:xfrm>
+            <a:off x="315191" y="228600"/>
+            <a:ext cx="1544782" cy="1401452"/>
+          </a:xfrm>
+          <a:prstGeom prst="rect">
+            <a:avLst/>
+          </a:prstGeom>
+        </p:spPr>
+      </p:pic>
+      <p:pic>
+        <p:nvPicPr>
+          <p:cNvPr id="5" name="Picture 4"/>
+          <p:cNvPicPr>
+            <a:picLocks noChangeAspect="1"/>
+          </p:cNvPicPr>
+          <p:nvPr/>
+        </p:nvPicPr>
+        <p:blipFill rotWithShape="1">
+          <a:blip r:embed="rId2" cstate="print">
+            <a:extLst>
+              <a:ext uri="{28A0092B-C50C-407E-A947-70E740481C1C}">
+                <a14:useLocalDpi xmlns:a14="http://schemas.microsoft.com/office/drawing/2010/main" val="0"/>
+              </a:ext>
+            </a:extLst>
+          </a:blip>
+          <a:srcRect l="14445" t="28889" r="15881" b="35555"/>
+          <a:stretch/>
+        </p:blipFill>
+        <p:spPr>
+          <a:xfrm>
+            <a:off x="7239000" y="228600"/>
+            <a:ext cx="1544782" cy="1401452"/>
+          </a:xfrm>
+          <a:prstGeom prst="rect">
+            <a:avLst/>
+          </a:prstGeom>
+        </p:spPr>
+      </p:pic>
     </p:spTree>
     <p:extLst>
       <p:ext uri="{BB962C8B-B14F-4D97-AF65-F5344CB8AC3E}">
@@ -3534,6 +3708,64 @@
           </a:extLst>
         </p:spPr>
       </p:pic>
+      <p:pic>
+        <p:nvPicPr>
+          <p:cNvPr id="4" name="Picture 3"/>
+          <p:cNvPicPr>
+            <a:picLocks noChangeAspect="1"/>
+          </p:cNvPicPr>
+          <p:nvPr/>
+        </p:nvPicPr>
+        <p:blipFill rotWithShape="1">
+          <a:blip r:embed="rId3" cstate="print">
+            <a:extLst>
+              <a:ext uri="{28A0092B-C50C-407E-A947-70E740481C1C}">
+                <a14:useLocalDpi xmlns:a14="http://schemas.microsoft.com/office/drawing/2010/main" val="0"/>
+              </a:ext>
+            </a:extLst>
+          </a:blip>
+          <a:srcRect l="14445" t="28889" r="15881" b="35555"/>
+          <a:stretch/>
+        </p:blipFill>
+        <p:spPr>
+          <a:xfrm>
+            <a:off x="315191" y="228600"/>
+            <a:ext cx="1544782" cy="1401452"/>
+          </a:xfrm>
+          <a:prstGeom prst="rect">
+            <a:avLst/>
+          </a:prstGeom>
+        </p:spPr>
+      </p:pic>
+      <p:pic>
+        <p:nvPicPr>
+          <p:cNvPr id="5" name="Picture 4"/>
+          <p:cNvPicPr>
+            <a:picLocks noChangeAspect="1"/>
+          </p:cNvPicPr>
+          <p:nvPr/>
+        </p:nvPicPr>
+        <p:blipFill rotWithShape="1">
+          <a:blip r:embed="rId3" cstate="print">
+            <a:extLst>
+              <a:ext uri="{28A0092B-C50C-407E-A947-70E740481C1C}">
+                <a14:useLocalDpi xmlns:a14="http://schemas.microsoft.com/office/drawing/2010/main" val="0"/>
+              </a:ext>
+            </a:extLst>
+          </a:blip>
+          <a:srcRect l="14445" t="28889" r="15881" b="35555"/>
+          <a:stretch/>
+        </p:blipFill>
+        <p:spPr>
+          <a:xfrm>
+            <a:off x="7239000" y="228600"/>
+            <a:ext cx="1544782" cy="1401452"/>
+          </a:xfrm>
+          <a:prstGeom prst="rect">
+            <a:avLst/>
+          </a:prstGeom>
+        </p:spPr>
+      </p:pic>
     </p:spTree>
     <p:extLst>
       <p:ext uri="{BB962C8B-B14F-4D97-AF65-F5344CB8AC3E}">
@@ -3626,6 +3858,64 @@
           </a:p>
         </p:txBody>
       </p:sp>
+      <p:pic>
+        <p:nvPicPr>
+          <p:cNvPr id="5" name="Picture 4"/>
+          <p:cNvPicPr>
+            <a:picLocks noChangeAspect="1"/>
+          </p:cNvPicPr>
+          <p:nvPr/>
+        </p:nvPicPr>
+        <p:blipFill rotWithShape="1">
+          <a:blip r:embed="rId3" cstate="print">
+            <a:extLst>
+              <a:ext uri="{28A0092B-C50C-407E-A947-70E740481C1C}">
+                <a14:useLocalDpi xmlns:a14="http://schemas.microsoft.com/office/drawing/2010/main" val="0"/>
+              </a:ext>
+            </a:extLst>
+          </a:blip>
+          <a:srcRect l="14445" t="28889" r="15881" b="35555"/>
+          <a:stretch/>
+        </p:blipFill>
+        <p:spPr>
+          <a:xfrm>
+            <a:off x="315191" y="228600"/>
+            <a:ext cx="1544782" cy="1401452"/>
+          </a:xfrm>
+          <a:prstGeom prst="rect">
+            <a:avLst/>
+          </a:prstGeom>
+        </p:spPr>
+      </p:pic>
+      <p:pic>
+        <p:nvPicPr>
+          <p:cNvPr id="6" name="Picture 5"/>
+          <p:cNvPicPr>
+            <a:picLocks noChangeAspect="1"/>
+          </p:cNvPicPr>
+          <p:nvPr/>
+        </p:nvPicPr>
+        <p:blipFill rotWithShape="1">
+          <a:blip r:embed="rId3" cstate="print">
+            <a:extLst>
+              <a:ext uri="{28A0092B-C50C-407E-A947-70E740481C1C}">
+                <a14:useLocalDpi xmlns:a14="http://schemas.microsoft.com/office/drawing/2010/main" val="0"/>
+              </a:ext>
+            </a:extLst>
+          </a:blip>
+          <a:srcRect l="14445" t="28889" r="15881" b="35555"/>
+          <a:stretch/>
+        </p:blipFill>
+        <p:spPr>
+          <a:xfrm>
+            <a:off x="7239000" y="228600"/>
+            <a:ext cx="1544782" cy="1401452"/>
+          </a:xfrm>
+          <a:prstGeom prst="rect">
+            <a:avLst/>
+          </a:prstGeom>
+        </p:spPr>
+      </p:pic>
     </p:spTree>
     <p:extLst>
       <p:ext uri="{BB962C8B-B14F-4D97-AF65-F5344CB8AC3E}">
@@ -3673,7 +3963,7 @@
           <a:p>
             <a:r>
               <a:rPr lang="en-US" dirty="0" smtClean="0"/>
-              <a:t>Screenshot (1/n)</a:t>
+              <a:t>Future Work</a:t>
             </a:r>
             <a:endParaRPr lang="en-US" dirty="0"/>
           </a:p>
@@ -3694,14 +3984,105 @@
           <a:bodyPr/>
           <a:lstStyle/>
           <a:p>
-            <a:endParaRPr lang="en-US" dirty="0"/>
-          </a:p>
-        </p:txBody>
-      </p:sp>
+            <a:r>
+              <a:rPr lang="en-US" dirty="0" smtClean="0"/>
+              <a:t>Restaurant search and cuisine filtering</a:t>
+            </a:r>
+          </a:p>
+          <a:p>
+            <a:r>
+              <a:rPr lang="en-US" dirty="0" smtClean="0"/>
+              <a:t>Modify existing ratings and add others</a:t>
+            </a:r>
+          </a:p>
+          <a:p>
+            <a:r>
+              <a:rPr lang="en-US" dirty="0" smtClean="0"/>
+              <a:t>Change registration rating format</a:t>
+            </a:r>
+          </a:p>
+          <a:p>
+            <a:r>
+              <a:rPr lang="en-US" dirty="0" smtClean="0"/>
+              <a:t>Add restaurants</a:t>
+            </a:r>
+          </a:p>
+          <a:p>
+            <a:r>
+              <a:rPr lang="en-US" dirty="0" smtClean="0"/>
+              <a:t>More empirical results on recommendations</a:t>
+            </a:r>
+          </a:p>
+          <a:p>
+            <a:r>
+              <a:rPr lang="en-US" dirty="0" smtClean="0"/>
+              <a:t>Automatic prediction updates</a:t>
+            </a:r>
+          </a:p>
+        </p:txBody>
+      </p:sp>
+      <p:pic>
+        <p:nvPicPr>
+          <p:cNvPr id="4" name="Picture 3"/>
+          <p:cNvPicPr>
+            <a:picLocks noChangeAspect="1"/>
+          </p:cNvPicPr>
+          <p:nvPr/>
+        </p:nvPicPr>
+        <p:blipFill rotWithShape="1">
+          <a:blip r:embed="rId2" cstate="print">
+            <a:extLst>
+              <a:ext uri="{28A0092B-C50C-407E-A947-70E740481C1C}">
+                <a14:useLocalDpi xmlns:a14="http://schemas.microsoft.com/office/drawing/2010/main" val="0"/>
+              </a:ext>
+            </a:extLst>
+          </a:blip>
+          <a:srcRect l="14445" t="28889" r="15881" b="35555"/>
+          <a:stretch/>
+        </p:blipFill>
+        <p:spPr>
+          <a:xfrm>
+            <a:off x="315191" y="228600"/>
+            <a:ext cx="1544782" cy="1401452"/>
+          </a:xfrm>
+          <a:prstGeom prst="rect">
+            <a:avLst/>
+          </a:prstGeom>
+        </p:spPr>
+      </p:pic>
+      <p:pic>
+        <p:nvPicPr>
+          <p:cNvPr id="5" name="Picture 4"/>
+          <p:cNvPicPr>
+            <a:picLocks noChangeAspect="1"/>
+          </p:cNvPicPr>
+          <p:nvPr/>
+        </p:nvPicPr>
+        <p:blipFill rotWithShape="1">
+          <a:blip r:embed="rId2" cstate="print">
+            <a:extLst>
+              <a:ext uri="{28A0092B-C50C-407E-A947-70E740481C1C}">
+                <a14:useLocalDpi xmlns:a14="http://schemas.microsoft.com/office/drawing/2010/main" val="0"/>
+              </a:ext>
+            </a:extLst>
+          </a:blip>
+          <a:srcRect l="14445" t="28889" r="15881" b="35555"/>
+          <a:stretch/>
+        </p:blipFill>
+        <p:spPr>
+          <a:xfrm>
+            <a:off x="7239000" y="228600"/>
+            <a:ext cx="1544782" cy="1401452"/>
+          </a:xfrm>
+          <a:prstGeom prst="rect">
+            <a:avLst/>
+          </a:prstGeom>
+        </p:spPr>
+      </p:pic>
     </p:spTree>
     <p:extLst>
       <p:ext uri="{BB962C8B-B14F-4D97-AF65-F5344CB8AC3E}">
-        <p14:creationId xmlns:p14="http://schemas.microsoft.com/office/powerpoint/2010/main" val="1600130260"/>
+        <p14:creationId xmlns:p14="http://schemas.microsoft.com/office/powerpoint/2010/main" val="898282114"/>
       </p:ext>
     </p:extLst>
   </p:cSld>
@@ -3738,14 +4119,20 @@
             <p:ph type="title"/>
           </p:nvPr>
         </p:nvSpPr>
-        <p:spPr/>
-        <p:txBody>
-          <a:bodyPr/>
-          <a:lstStyle/>
-          <a:p>
+        <p:spPr>
+          <a:xfrm>
+            <a:off x="722313" y="2747963"/>
+            <a:ext cx="7772400" cy="1362075"/>
+          </a:xfrm>
+        </p:spPr>
+        <p:txBody>
+          <a:bodyPr/>
+          <a:lstStyle/>
+          <a:p>
+            <a:pPr algn="ctr"/>
             <a:r>
               <a:rPr lang="en-US" dirty="0" smtClean="0"/>
-              <a:t>Future Work</a:t>
+              <a:t>Demo</a:t>
             </a:r>
             <a:endParaRPr lang="en-US" dirty="0"/>
           </a:p>
@@ -3753,65 +4140,143 @@
       </p:sp>
       <p:sp>
         <p:nvSpPr>
-          <p:cNvPr id="3" name="Content Placeholder 2"/>
-          <p:cNvSpPr>
-            <a:spLocks noGrp="1"/>
-          </p:cNvSpPr>
-          <p:nvPr>
-            <p:ph idx="1"/>
-          </p:nvPr>
-        </p:nvSpPr>
-        <p:spPr/>
-        <p:txBody>
-          <a:bodyPr/>
-          <a:lstStyle/>
-          <a:p>
-            <a:r>
-              <a:rPr lang="en-US" dirty="0" smtClean="0"/>
-              <a:t>Restaurant search and cuisine filtering</a:t>
-            </a:r>
-          </a:p>
-          <a:p>
-            <a:r>
-              <a:rPr lang="en-US" dirty="0" smtClean="0"/>
-              <a:t>Modify existing ratings and add others</a:t>
-            </a:r>
-          </a:p>
-          <a:p>
-            <a:r>
-              <a:rPr lang="en-US" dirty="0" smtClean="0"/>
-              <a:t>Change registration rating format</a:t>
-            </a:r>
-          </a:p>
-          <a:p>
-            <a:r>
-              <a:rPr lang="en-US" dirty="0" smtClean="0"/>
-              <a:t>Add restaurants</a:t>
-            </a:r>
-          </a:p>
-          <a:p>
-            <a:r>
-              <a:rPr lang="en-US" dirty="0" smtClean="0"/>
-              <a:t>More empirical results on </a:t>
-            </a:r>
-            <a:r>
-              <a:rPr lang="en-US" dirty="0" smtClean="0"/>
-              <a:t>recommendations</a:t>
-            </a:r>
-          </a:p>
-          <a:p>
-            <a:r>
-              <a:rPr lang="en-US" dirty="0" smtClean="0"/>
-              <a:t>Automatic prediction updates</a:t>
-            </a:r>
-            <a:endParaRPr lang="en-US" dirty="0" smtClean="0"/>
-          </a:p>
-        </p:txBody>
-      </p:sp>
+          <p:cNvPr id="3" name="Text Placeholder 2"/>
+          <p:cNvSpPr>
+            <a:spLocks noGrp="1"/>
+          </p:cNvSpPr>
+          <p:nvPr>
+            <p:ph type="body" idx="1"/>
+          </p:nvPr>
+        </p:nvSpPr>
+        <p:spPr/>
+        <p:txBody>
+          <a:bodyPr/>
+          <a:lstStyle/>
+          <a:p>
+            <a:endParaRPr lang="en-US"/>
+          </a:p>
+        </p:txBody>
+      </p:sp>
+      <p:pic>
+        <p:nvPicPr>
+          <p:cNvPr id="4" name="Picture 3"/>
+          <p:cNvPicPr>
+            <a:picLocks noChangeAspect="1"/>
+          </p:cNvPicPr>
+          <p:nvPr/>
+        </p:nvPicPr>
+        <p:blipFill rotWithShape="1">
+          <a:blip r:embed="rId2">
+            <a:extLst>
+              <a:ext uri="{28A0092B-C50C-407E-A947-70E740481C1C}">
+                <a14:useLocalDpi xmlns:a14="http://schemas.microsoft.com/office/drawing/2010/main" val="0"/>
+              </a:ext>
+            </a:extLst>
+          </a:blip>
+          <a:srcRect l="14445" t="28889" r="15881" b="35555"/>
+          <a:stretch/>
+        </p:blipFill>
+        <p:spPr>
+          <a:xfrm>
+            <a:off x="315190" y="228600"/>
+            <a:ext cx="2351809" cy="2133600"/>
+          </a:xfrm>
+          <a:prstGeom prst="rect">
+            <a:avLst/>
+          </a:prstGeom>
+        </p:spPr>
+      </p:pic>
+      <p:pic>
+        <p:nvPicPr>
+          <p:cNvPr id="5" name="Picture 4"/>
+          <p:cNvPicPr>
+            <a:picLocks noChangeAspect="1"/>
+          </p:cNvPicPr>
+          <p:nvPr/>
+        </p:nvPicPr>
+        <p:blipFill rotWithShape="1">
+          <a:blip r:embed="rId2">
+            <a:extLst>
+              <a:ext uri="{28A0092B-C50C-407E-A947-70E740481C1C}">
+                <a14:useLocalDpi xmlns:a14="http://schemas.microsoft.com/office/drawing/2010/main" val="0"/>
+              </a:ext>
+            </a:extLst>
+          </a:blip>
+          <a:srcRect l="14445" t="28889" r="15881" b="35555"/>
+          <a:stretch/>
+        </p:blipFill>
+        <p:spPr>
+          <a:xfrm>
+            <a:off x="6431973" y="228600"/>
+            <a:ext cx="2351809" cy="2133600"/>
+          </a:xfrm>
+          <a:prstGeom prst="rect">
+            <a:avLst/>
+          </a:prstGeom>
+        </p:spPr>
+      </p:pic>
+      <p:pic>
+        <p:nvPicPr>
+          <p:cNvPr id="6" name="Picture 5"/>
+          <p:cNvPicPr>
+            <a:picLocks noChangeAspect="1"/>
+          </p:cNvPicPr>
+          <p:nvPr/>
+        </p:nvPicPr>
+        <p:blipFill rotWithShape="1">
+          <a:blip r:embed="rId2">
+            <a:extLst>
+              <a:ext uri="{28A0092B-C50C-407E-A947-70E740481C1C}">
+                <a14:useLocalDpi xmlns:a14="http://schemas.microsoft.com/office/drawing/2010/main" val="0"/>
+              </a:ext>
+            </a:extLst>
+          </a:blip>
+          <a:srcRect l="14445" t="28889" r="15881" b="35555"/>
+          <a:stretch/>
+        </p:blipFill>
+        <p:spPr>
+          <a:xfrm>
+            <a:off x="301335" y="4360683"/>
+            <a:ext cx="2365663" cy="2146169"/>
+          </a:xfrm>
+          <a:prstGeom prst="rect">
+            <a:avLst/>
+          </a:prstGeom>
+        </p:spPr>
+      </p:pic>
+      <p:pic>
+        <p:nvPicPr>
+          <p:cNvPr id="7" name="Picture 6"/>
+          <p:cNvPicPr>
+            <a:picLocks noChangeAspect="1"/>
+          </p:cNvPicPr>
+          <p:nvPr/>
+        </p:nvPicPr>
+        <p:blipFill rotWithShape="1">
+          <a:blip r:embed="rId2">
+            <a:extLst>
+              <a:ext uri="{28A0092B-C50C-407E-A947-70E740481C1C}">
+                <a14:useLocalDpi xmlns:a14="http://schemas.microsoft.com/office/drawing/2010/main" val="0"/>
+              </a:ext>
+            </a:extLst>
+          </a:blip>
+          <a:srcRect l="14445" t="28889" r="15881" b="35555"/>
+          <a:stretch/>
+        </p:blipFill>
+        <p:spPr>
+          <a:xfrm>
+            <a:off x="6431973" y="4385821"/>
+            <a:ext cx="2337954" cy="2121031"/>
+          </a:xfrm>
+          <a:prstGeom prst="rect">
+            <a:avLst/>
+          </a:prstGeom>
+        </p:spPr>
+      </p:pic>
     </p:spTree>
     <p:extLst>
       <p:ext uri="{BB962C8B-B14F-4D97-AF65-F5344CB8AC3E}">
-        <p14:creationId xmlns:p14="http://schemas.microsoft.com/office/powerpoint/2010/main" val="898282114"/>
+        <p14:creationId xmlns:p14="http://schemas.microsoft.com/office/powerpoint/2010/main" val="2584480737"/>
       </p:ext>
     </p:extLst>
   </p:cSld>
@@ -3848,7 +4313,12 @@
             <p:ph type="title"/>
           </p:nvPr>
         </p:nvSpPr>
-        <p:spPr/>
+        <p:spPr>
+          <a:xfrm>
+            <a:off x="722313" y="2747963"/>
+            <a:ext cx="7772400" cy="1362075"/>
+          </a:xfrm>
+        </p:spPr>
         <p:txBody>
           <a:bodyPr/>
           <a:lstStyle/>
@@ -3881,6 +4351,122 @@
           </a:p>
         </p:txBody>
       </p:sp>
+      <p:pic>
+        <p:nvPicPr>
+          <p:cNvPr id="8" name="Picture 7"/>
+          <p:cNvPicPr>
+            <a:picLocks noChangeAspect="1"/>
+          </p:cNvPicPr>
+          <p:nvPr/>
+        </p:nvPicPr>
+        <p:blipFill rotWithShape="1">
+          <a:blip r:embed="rId2">
+            <a:extLst>
+              <a:ext uri="{28A0092B-C50C-407E-A947-70E740481C1C}">
+                <a14:useLocalDpi xmlns:a14="http://schemas.microsoft.com/office/drawing/2010/main" val="0"/>
+              </a:ext>
+            </a:extLst>
+          </a:blip>
+          <a:srcRect l="14445" t="28889" r="15881" b="35555"/>
+          <a:stretch/>
+        </p:blipFill>
+        <p:spPr>
+          <a:xfrm>
+            <a:off x="315190" y="228600"/>
+            <a:ext cx="2351809" cy="2133600"/>
+          </a:xfrm>
+          <a:prstGeom prst="rect">
+            <a:avLst/>
+          </a:prstGeom>
+        </p:spPr>
+      </p:pic>
+      <p:pic>
+        <p:nvPicPr>
+          <p:cNvPr id="9" name="Picture 8"/>
+          <p:cNvPicPr>
+            <a:picLocks noChangeAspect="1"/>
+          </p:cNvPicPr>
+          <p:nvPr/>
+        </p:nvPicPr>
+        <p:blipFill rotWithShape="1">
+          <a:blip r:embed="rId2">
+            <a:extLst>
+              <a:ext uri="{28A0092B-C50C-407E-A947-70E740481C1C}">
+                <a14:useLocalDpi xmlns:a14="http://schemas.microsoft.com/office/drawing/2010/main" val="0"/>
+              </a:ext>
+            </a:extLst>
+          </a:blip>
+          <a:srcRect l="14445" t="28889" r="15881" b="35555"/>
+          <a:stretch/>
+        </p:blipFill>
+        <p:spPr>
+          <a:xfrm>
+            <a:off x="6431973" y="228600"/>
+            <a:ext cx="2351809" cy="2133600"/>
+          </a:xfrm>
+          <a:prstGeom prst="rect">
+            <a:avLst/>
+          </a:prstGeom>
+        </p:spPr>
+      </p:pic>
+      <p:pic>
+        <p:nvPicPr>
+          <p:cNvPr id="10" name="Picture 9"/>
+          <p:cNvPicPr>
+            <a:picLocks noChangeAspect="1"/>
+          </p:cNvPicPr>
+          <p:nvPr/>
+        </p:nvPicPr>
+        <p:blipFill rotWithShape="1">
+          <a:blip r:embed="rId2">
+            <a:extLst>
+              <a:ext uri="{28A0092B-C50C-407E-A947-70E740481C1C}">
+                <a14:useLocalDpi xmlns:a14="http://schemas.microsoft.com/office/drawing/2010/main" val="0"/>
+              </a:ext>
+            </a:extLst>
+          </a:blip>
+          <a:srcRect l="14445" t="28889" r="15881" b="35555"/>
+          <a:stretch/>
+        </p:blipFill>
+        <p:spPr>
+          <a:xfrm>
+            <a:off x="301335" y="4360683"/>
+            <a:ext cx="2365663" cy="2146169"/>
+          </a:xfrm>
+          <a:prstGeom prst="rect">
+            <a:avLst/>
+          </a:prstGeom>
+        </p:spPr>
+      </p:pic>
+      <p:pic>
+        <p:nvPicPr>
+          <p:cNvPr id="11" name="Picture 10"/>
+          <p:cNvPicPr>
+            <a:picLocks noChangeAspect="1"/>
+          </p:cNvPicPr>
+          <p:nvPr/>
+        </p:nvPicPr>
+        <p:blipFill rotWithShape="1">
+          <a:blip r:embed="rId2">
+            <a:extLst>
+              <a:ext uri="{28A0092B-C50C-407E-A947-70E740481C1C}">
+                <a14:useLocalDpi xmlns:a14="http://schemas.microsoft.com/office/drawing/2010/main" val="0"/>
+              </a:ext>
+            </a:extLst>
+          </a:blip>
+          <a:srcRect l="14445" t="28889" r="15881" b="35555"/>
+          <a:stretch/>
+        </p:blipFill>
+        <p:spPr>
+          <a:xfrm>
+            <a:off x="6431973" y="4385821"/>
+            <a:ext cx="2337954" cy="2121031"/>
+          </a:xfrm>
+          <a:prstGeom prst="rect">
+            <a:avLst/>
+          </a:prstGeom>
+        </p:spPr>
+      </p:pic>
     </p:spTree>
     <p:extLst>
       <p:ext uri="{BB962C8B-B14F-4D97-AF65-F5344CB8AC3E}">

--- a/Presentation.pptx
+++ b/Presentation.pptx
@@ -3149,14 +3149,14 @@
       </p:sp>
       <p:pic>
         <p:nvPicPr>
-          <p:cNvPr id="4" name="Picture 3"/>
+          <p:cNvPr id="6" name="Picture 5"/>
           <p:cNvPicPr>
             <a:picLocks noChangeAspect="1"/>
           </p:cNvPicPr>
           <p:nvPr/>
         </p:nvPicPr>
         <p:blipFill rotWithShape="1">
-          <a:blip r:embed="rId2">
+          <a:blip r:embed="rId2" cstate="print">
             <a:extLst>
               <a:ext uri="{28A0092B-C50C-407E-A947-70E740481C1C}">
                 <a14:useLocalDpi xmlns:a14="http://schemas.microsoft.com/office/drawing/2010/main" val="0"/>
@@ -3168,41 +3168,15 @@
         </p:blipFill>
         <p:spPr>
           <a:xfrm>
-            <a:off x="512618" y="533400"/>
-            <a:ext cx="2687782" cy="2438400"/>
+            <a:off x="3581400" y="304800"/>
+            <a:ext cx="1847850" cy="1676400"/>
           </a:xfrm>
           <a:prstGeom prst="rect">
             <a:avLst/>
           </a:prstGeom>
-        </p:spPr>
-      </p:pic>
-      <p:pic>
-        <p:nvPicPr>
-          <p:cNvPr id="5" name="Picture 4"/>
-          <p:cNvPicPr>
-            <a:picLocks noChangeAspect="1"/>
-          </p:cNvPicPr>
-          <p:nvPr/>
-        </p:nvPicPr>
-        <p:blipFill rotWithShape="1">
-          <a:blip r:embed="rId2">
-            <a:extLst>
-              <a:ext uri="{28A0092B-C50C-407E-A947-70E740481C1C}">
-                <a14:useLocalDpi xmlns:a14="http://schemas.microsoft.com/office/drawing/2010/main" val="0"/>
-              </a:ext>
-            </a:extLst>
-          </a:blip>
-          <a:srcRect l="14445" t="28889" r="15881" b="35555"/>
-          <a:stretch/>
-        </p:blipFill>
-        <p:spPr>
-          <a:xfrm>
-            <a:off x="6068291" y="533400"/>
-            <a:ext cx="2687782" cy="2438400"/>
-          </a:xfrm>
-          <a:prstGeom prst="rect">
-            <a:avLst/>
-          </a:prstGeom>
+          <a:effectLst>
+            <a:reflection blurRad="6350" stA="52000" endA="300" endPos="35000" dir="5400000" sy="-100000" algn="bl" rotWithShape="0"/>
+          </a:effectLst>
         </p:spPr>
       </p:pic>
     </p:spTree>
@@ -3215,6 +3189,13 @@
   <p:clrMapOvr>
     <a:masterClrMapping/>
   </p:clrMapOvr>
+  <p:timing>
+    <p:tnLst>
+      <p:par>
+        <p:cTn id="1" dur="indefinite" restart="never" nodeType="tmRoot"/>
+      </p:par>
+    </p:tnLst>
+  </p:timing>
 </p:sld>
 </file>
 
@@ -3342,35 +3323,6 @@
       </p:sp>
       <p:pic>
         <p:nvPicPr>
-          <p:cNvPr id="4" name="Picture 3"/>
-          <p:cNvPicPr>
-            <a:picLocks noChangeAspect="1"/>
-          </p:cNvPicPr>
-          <p:nvPr/>
-        </p:nvPicPr>
-        <p:blipFill rotWithShape="1">
-          <a:blip r:embed="rId2" cstate="print">
-            <a:extLst>
-              <a:ext uri="{28A0092B-C50C-407E-A947-70E740481C1C}">
-                <a14:useLocalDpi xmlns:a14="http://schemas.microsoft.com/office/drawing/2010/main" val="0"/>
-              </a:ext>
-            </a:extLst>
-          </a:blip>
-          <a:srcRect l="14445" t="28889" r="15881" b="35555"/>
-          <a:stretch/>
-        </p:blipFill>
-        <p:spPr>
-          <a:xfrm>
-            <a:off x="315191" y="228600"/>
-            <a:ext cx="1544782" cy="1401452"/>
-          </a:xfrm>
-          <a:prstGeom prst="rect">
-            <a:avLst/>
-          </a:prstGeom>
-        </p:spPr>
-      </p:pic>
-      <p:pic>
-        <p:nvPicPr>
           <p:cNvPr id="5" name="Picture 4"/>
           <p:cNvPicPr>
             <a:picLocks noChangeAspect="1"/>
@@ -3379,6 +3331,7 @@
         </p:nvPicPr>
         <p:blipFill rotWithShape="1">
           <a:blip r:embed="rId2" cstate="print">
+            <a:lum bright="70000" contrast="-70000"/>
             <a:extLst>
               <a:ext uri="{28A0092B-C50C-407E-A947-70E740481C1C}">
                 <a14:useLocalDpi xmlns:a14="http://schemas.microsoft.com/office/drawing/2010/main" val="0"/>
@@ -3396,6 +3349,9 @@
           <a:prstGeom prst="rect">
             <a:avLst/>
           </a:prstGeom>
+          <a:effectLst>
+            <a:reflection blurRad="6350" stA="52000" endA="300" endPos="35000" dir="5400000" sy="-100000" algn="bl" rotWithShape="0"/>
+          </a:effectLst>
         </p:spPr>
       </p:pic>
     </p:spTree>
@@ -3408,6 +3364,13 @@
   <p:clrMapOvr>
     <a:masterClrMapping/>
   </p:clrMapOvr>
+  <p:timing>
+    <p:tnLst>
+      <p:par>
+        <p:cTn id="1" dur="indefinite" restart="never" nodeType="tmRoot"/>
+      </p:par>
+    </p:tnLst>
+  </p:timing>
 </p:sld>
 </file>
 
@@ -3535,7 +3498,7 @@
       </p:sp>
       <p:pic>
         <p:nvPicPr>
-          <p:cNvPr id="4" name="Picture 3"/>
+          <p:cNvPr id="7" name="Picture 6"/>
           <p:cNvPicPr>
             <a:picLocks noChangeAspect="1"/>
           </p:cNvPicPr>
@@ -3543,35 +3506,7 @@
         </p:nvPicPr>
         <p:blipFill rotWithShape="1">
           <a:blip r:embed="rId2" cstate="print">
-            <a:extLst>
-              <a:ext uri="{28A0092B-C50C-407E-A947-70E740481C1C}">
-                <a14:useLocalDpi xmlns:a14="http://schemas.microsoft.com/office/drawing/2010/main" val="0"/>
-              </a:ext>
-            </a:extLst>
-          </a:blip>
-          <a:srcRect l="14445" t="28889" r="15881" b="35555"/>
-          <a:stretch/>
-        </p:blipFill>
-        <p:spPr>
-          <a:xfrm>
-            <a:off x="315191" y="228600"/>
-            <a:ext cx="1544782" cy="1401452"/>
-          </a:xfrm>
-          <a:prstGeom prst="rect">
-            <a:avLst/>
-          </a:prstGeom>
-        </p:spPr>
-      </p:pic>
-      <p:pic>
-        <p:nvPicPr>
-          <p:cNvPr id="5" name="Picture 4"/>
-          <p:cNvPicPr>
-            <a:picLocks noChangeAspect="1"/>
-          </p:cNvPicPr>
-          <p:nvPr/>
-        </p:nvPicPr>
-        <p:blipFill rotWithShape="1">
-          <a:blip r:embed="rId2" cstate="print">
+            <a:lum bright="70000" contrast="-70000"/>
             <a:extLst>
               <a:ext uri="{28A0092B-C50C-407E-A947-70E740481C1C}">
                 <a14:useLocalDpi xmlns:a14="http://schemas.microsoft.com/office/drawing/2010/main" val="0"/>
@@ -3589,6 +3524,9 @@
           <a:prstGeom prst="rect">
             <a:avLst/>
           </a:prstGeom>
+          <a:effectLst>
+            <a:reflection blurRad="6350" stA="52000" endA="300" endPos="35000" dir="5400000" sy="-100000" algn="bl" rotWithShape="0"/>
+          </a:effectLst>
         </p:spPr>
       </p:pic>
     </p:spTree>
@@ -3601,6 +3539,13 @@
   <p:clrMapOvr>
     <a:masterClrMapping/>
   </p:clrMapOvr>
+  <p:timing>
+    <p:tnLst>
+      <p:par>
+        <p:cTn id="1" dur="indefinite" restart="never" nodeType="tmRoot"/>
+      </p:par>
+    </p:tnLst>
+  </p:timing>
 </p:sld>
 </file>
 
@@ -3621,6 +3566,39 @@
           <a:chExt cx="0" cy="0"/>
         </a:xfrm>
       </p:grpSpPr>
+      <p:pic>
+        <p:nvPicPr>
+          <p:cNvPr id="7" name="Picture 6"/>
+          <p:cNvPicPr>
+            <a:picLocks noChangeAspect="1"/>
+          </p:cNvPicPr>
+          <p:nvPr/>
+        </p:nvPicPr>
+        <p:blipFill rotWithShape="1">
+          <a:blip r:embed="rId2" cstate="print">
+            <a:lum bright="70000" contrast="-70000"/>
+            <a:extLst>
+              <a:ext uri="{28A0092B-C50C-407E-A947-70E740481C1C}">
+                <a14:useLocalDpi xmlns:a14="http://schemas.microsoft.com/office/drawing/2010/main" val="0"/>
+              </a:ext>
+            </a:extLst>
+          </a:blip>
+          <a:srcRect l="14445" t="28889" r="15881" b="35555"/>
+          <a:stretch/>
+        </p:blipFill>
+        <p:spPr>
+          <a:xfrm>
+            <a:off x="7239000" y="228600"/>
+            <a:ext cx="1544782" cy="1401452"/>
+          </a:xfrm>
+          <a:prstGeom prst="rect">
+            <a:avLst/>
+          </a:prstGeom>
+          <a:effectLst>
+            <a:reflection blurRad="6350" stA="52000" endA="300" endPos="35000" dir="5400000" sy="-100000" algn="bl" rotWithShape="0"/>
+          </a:effectLst>
+        </p:spPr>
+      </p:pic>
       <p:sp>
         <p:nvSpPr>
           <p:cNvPr id="2" name="Title 1"/>
@@ -3653,7 +3631,7 @@
           <p:nvPr/>
         </p:nvPicPr>
         <p:blipFill>
-          <a:blip r:embed="rId2">
+          <a:blip r:embed="rId3">
             <a:extLst>
               <a:ext uri="{28A0092B-C50C-407E-A947-70E740481C1C}">
                 <a14:useLocalDpi xmlns:a14="http://schemas.microsoft.com/office/drawing/2010/main" val="0"/>
@@ -3708,64 +3686,6 @@
           </a:extLst>
         </p:spPr>
       </p:pic>
-      <p:pic>
-        <p:nvPicPr>
-          <p:cNvPr id="4" name="Picture 3"/>
-          <p:cNvPicPr>
-            <a:picLocks noChangeAspect="1"/>
-          </p:cNvPicPr>
-          <p:nvPr/>
-        </p:nvPicPr>
-        <p:blipFill rotWithShape="1">
-          <a:blip r:embed="rId3" cstate="print">
-            <a:extLst>
-              <a:ext uri="{28A0092B-C50C-407E-A947-70E740481C1C}">
-                <a14:useLocalDpi xmlns:a14="http://schemas.microsoft.com/office/drawing/2010/main" val="0"/>
-              </a:ext>
-            </a:extLst>
-          </a:blip>
-          <a:srcRect l="14445" t="28889" r="15881" b="35555"/>
-          <a:stretch/>
-        </p:blipFill>
-        <p:spPr>
-          <a:xfrm>
-            <a:off x="315191" y="228600"/>
-            <a:ext cx="1544782" cy="1401452"/>
-          </a:xfrm>
-          <a:prstGeom prst="rect">
-            <a:avLst/>
-          </a:prstGeom>
-        </p:spPr>
-      </p:pic>
-      <p:pic>
-        <p:nvPicPr>
-          <p:cNvPr id="5" name="Picture 4"/>
-          <p:cNvPicPr>
-            <a:picLocks noChangeAspect="1"/>
-          </p:cNvPicPr>
-          <p:nvPr/>
-        </p:nvPicPr>
-        <p:blipFill rotWithShape="1">
-          <a:blip r:embed="rId3" cstate="print">
-            <a:extLst>
-              <a:ext uri="{28A0092B-C50C-407E-A947-70E740481C1C}">
-                <a14:useLocalDpi xmlns:a14="http://schemas.microsoft.com/office/drawing/2010/main" val="0"/>
-              </a:ext>
-            </a:extLst>
-          </a:blip>
-          <a:srcRect l="14445" t="28889" r="15881" b="35555"/>
-          <a:stretch/>
-        </p:blipFill>
-        <p:spPr>
-          <a:xfrm>
-            <a:off x="7239000" y="228600"/>
-            <a:ext cx="1544782" cy="1401452"/>
-          </a:xfrm>
-          <a:prstGeom prst="rect">
-            <a:avLst/>
-          </a:prstGeom>
-        </p:spPr>
-      </p:pic>
     </p:spTree>
     <p:extLst>
       <p:ext uri="{BB962C8B-B14F-4D97-AF65-F5344CB8AC3E}">
@@ -3776,6 +3696,13 @@
   <p:clrMapOvr>
     <a:masterClrMapping/>
   </p:clrMapOvr>
+  <p:timing>
+    <p:tnLst>
+      <p:par>
+        <p:cTn id="1" dur="indefinite" restart="never" nodeType="tmRoot"/>
+      </p:par>
+    </p:tnLst>
+  </p:timing>
 </p:sld>
 </file>
 
@@ -3860,7 +3787,7 @@
       </p:sp>
       <p:pic>
         <p:nvPicPr>
-          <p:cNvPr id="5" name="Picture 4"/>
+          <p:cNvPr id="8" name="Picture 7"/>
           <p:cNvPicPr>
             <a:picLocks noChangeAspect="1"/>
           </p:cNvPicPr>
@@ -3868,35 +3795,7 @@
         </p:nvPicPr>
         <p:blipFill rotWithShape="1">
           <a:blip r:embed="rId3" cstate="print">
-            <a:extLst>
-              <a:ext uri="{28A0092B-C50C-407E-A947-70E740481C1C}">
-                <a14:useLocalDpi xmlns:a14="http://schemas.microsoft.com/office/drawing/2010/main" val="0"/>
-              </a:ext>
-            </a:extLst>
-          </a:blip>
-          <a:srcRect l="14445" t="28889" r="15881" b="35555"/>
-          <a:stretch/>
-        </p:blipFill>
-        <p:spPr>
-          <a:xfrm>
-            <a:off x="315191" y="228600"/>
-            <a:ext cx="1544782" cy="1401452"/>
-          </a:xfrm>
-          <a:prstGeom prst="rect">
-            <a:avLst/>
-          </a:prstGeom>
-        </p:spPr>
-      </p:pic>
-      <p:pic>
-        <p:nvPicPr>
-          <p:cNvPr id="6" name="Picture 5"/>
-          <p:cNvPicPr>
-            <a:picLocks noChangeAspect="1"/>
-          </p:cNvPicPr>
-          <p:nvPr/>
-        </p:nvPicPr>
-        <p:blipFill rotWithShape="1">
-          <a:blip r:embed="rId3" cstate="print">
+            <a:lum bright="70000" contrast="-70000"/>
             <a:extLst>
               <a:ext uri="{28A0092B-C50C-407E-A947-70E740481C1C}">
                 <a14:useLocalDpi xmlns:a14="http://schemas.microsoft.com/office/drawing/2010/main" val="0"/>
@@ -3914,6 +3813,9 @@
           <a:prstGeom prst="rect">
             <a:avLst/>
           </a:prstGeom>
+          <a:effectLst>
+            <a:reflection blurRad="6350" stA="52000" endA="300" endPos="35000" dir="5400000" sy="-100000" algn="bl" rotWithShape="0"/>
+          </a:effectLst>
         </p:spPr>
       </p:pic>
     </p:spTree>
@@ -3926,6 +3828,13 @@
   <p:clrMapOvr>
     <a:masterClrMapping/>
   </p:clrMapOvr>
+  <p:timing>
+    <p:tnLst>
+      <p:par>
+        <p:cTn id="1" dur="indefinite" restart="never" nodeType="tmRoot"/>
+      </p:par>
+    </p:tnLst>
+  </p:timing>
 </p:sld>
 </file>
 
@@ -4023,7 +3932,7 @@
       </p:sp>
       <p:pic>
         <p:nvPicPr>
-          <p:cNvPr id="4" name="Picture 3"/>
+          <p:cNvPr id="7" name="Picture 6"/>
           <p:cNvPicPr>
             <a:picLocks noChangeAspect="1"/>
           </p:cNvPicPr>
@@ -4031,35 +3940,7 @@
         </p:nvPicPr>
         <p:blipFill rotWithShape="1">
           <a:blip r:embed="rId2" cstate="print">
-            <a:extLst>
-              <a:ext uri="{28A0092B-C50C-407E-A947-70E740481C1C}">
-                <a14:useLocalDpi xmlns:a14="http://schemas.microsoft.com/office/drawing/2010/main" val="0"/>
-              </a:ext>
-            </a:extLst>
-          </a:blip>
-          <a:srcRect l="14445" t="28889" r="15881" b="35555"/>
-          <a:stretch/>
-        </p:blipFill>
-        <p:spPr>
-          <a:xfrm>
-            <a:off x="315191" y="228600"/>
-            <a:ext cx="1544782" cy="1401452"/>
-          </a:xfrm>
-          <a:prstGeom prst="rect">
-            <a:avLst/>
-          </a:prstGeom>
-        </p:spPr>
-      </p:pic>
-      <p:pic>
-        <p:nvPicPr>
-          <p:cNvPr id="5" name="Picture 4"/>
-          <p:cNvPicPr>
-            <a:picLocks noChangeAspect="1"/>
-          </p:cNvPicPr>
-          <p:nvPr/>
-        </p:nvPicPr>
-        <p:blipFill rotWithShape="1">
-          <a:blip r:embed="rId2" cstate="print">
+            <a:lum bright="70000" contrast="-70000"/>
             <a:extLst>
               <a:ext uri="{28A0092B-C50C-407E-A947-70E740481C1C}">
                 <a14:useLocalDpi xmlns:a14="http://schemas.microsoft.com/office/drawing/2010/main" val="0"/>
@@ -4077,6 +3958,9 @@
           <a:prstGeom prst="rect">
             <a:avLst/>
           </a:prstGeom>
+          <a:effectLst>
+            <a:reflection blurRad="6350" stA="52000" endA="300" endPos="35000" dir="5400000" sy="-100000" algn="bl" rotWithShape="0"/>
+          </a:effectLst>
         </p:spPr>
       </p:pic>
     </p:spTree>
@@ -4089,6 +3973,13 @@
   <p:clrMapOvr>
     <a:masterClrMapping/>
   </p:clrMapOvr>
+  <p:timing>
+    <p:tnLst>
+      <p:par>
+        <p:cTn id="1" dur="indefinite" restart="never" nodeType="tmRoot"/>
+      </p:par>
+    </p:tnLst>
+  </p:timing>
 </p:sld>
 </file>
 
@@ -4159,14 +4050,15 @@
       </p:sp>
       <p:pic>
         <p:nvPicPr>
-          <p:cNvPr id="4" name="Picture 3"/>
+          <p:cNvPr id="8" name="Picture 7"/>
           <p:cNvPicPr>
             <a:picLocks noChangeAspect="1"/>
           </p:cNvPicPr>
           <p:nvPr/>
         </p:nvPicPr>
         <p:blipFill rotWithShape="1">
-          <a:blip r:embed="rId2">
+          <a:blip r:embed="rId2" cstate="print">
+            <a:lum bright="70000" contrast="-70000"/>
             <a:extLst>
               <a:ext uri="{28A0092B-C50C-407E-A947-70E740481C1C}">
                 <a14:useLocalDpi xmlns:a14="http://schemas.microsoft.com/office/drawing/2010/main" val="0"/>
@@ -4178,24 +4070,28 @@
         </p:blipFill>
         <p:spPr>
           <a:xfrm>
-            <a:off x="315190" y="228600"/>
-            <a:ext cx="2351809" cy="2133600"/>
+            <a:off x="533400" y="2286000"/>
+            <a:ext cx="1763856" cy="1600200"/>
           </a:xfrm>
           <a:prstGeom prst="rect">
             <a:avLst/>
           </a:prstGeom>
+          <a:effectLst>
+            <a:reflection blurRad="6350" stA="52000" endA="300" endPos="35000" dir="5400000" sy="-100000" algn="bl" rotWithShape="0"/>
+          </a:effectLst>
         </p:spPr>
       </p:pic>
       <p:pic>
         <p:nvPicPr>
-          <p:cNvPr id="5" name="Picture 4"/>
+          <p:cNvPr id="9" name="Picture 8"/>
           <p:cNvPicPr>
             <a:picLocks noChangeAspect="1"/>
           </p:cNvPicPr>
           <p:nvPr/>
         </p:nvPicPr>
         <p:blipFill rotWithShape="1">
-          <a:blip r:embed="rId2">
+          <a:blip r:embed="rId2" cstate="print">
+            <a:lum bright="70000" contrast="-70000"/>
             <a:extLst>
               <a:ext uri="{28A0092B-C50C-407E-A947-70E740481C1C}">
                 <a14:useLocalDpi xmlns:a14="http://schemas.microsoft.com/office/drawing/2010/main" val="0"/>
@@ -4207,70 +4103,15 @@
         </p:blipFill>
         <p:spPr>
           <a:xfrm>
-            <a:off x="6431973" y="228600"/>
-            <a:ext cx="2351809" cy="2133600"/>
+            <a:off x="6705599" y="2362200"/>
+            <a:ext cx="1679863" cy="1524000"/>
           </a:xfrm>
           <a:prstGeom prst="rect">
             <a:avLst/>
           </a:prstGeom>
-        </p:spPr>
-      </p:pic>
-      <p:pic>
-        <p:nvPicPr>
-          <p:cNvPr id="6" name="Picture 5"/>
-          <p:cNvPicPr>
-            <a:picLocks noChangeAspect="1"/>
-          </p:cNvPicPr>
-          <p:nvPr/>
-        </p:nvPicPr>
-        <p:blipFill rotWithShape="1">
-          <a:blip r:embed="rId2">
-            <a:extLst>
-              <a:ext uri="{28A0092B-C50C-407E-A947-70E740481C1C}">
-                <a14:useLocalDpi xmlns:a14="http://schemas.microsoft.com/office/drawing/2010/main" val="0"/>
-              </a:ext>
-            </a:extLst>
-          </a:blip>
-          <a:srcRect l="14445" t="28889" r="15881" b="35555"/>
-          <a:stretch/>
-        </p:blipFill>
-        <p:spPr>
-          <a:xfrm>
-            <a:off x="301335" y="4360683"/>
-            <a:ext cx="2365663" cy="2146169"/>
-          </a:xfrm>
-          <a:prstGeom prst="rect">
-            <a:avLst/>
-          </a:prstGeom>
-        </p:spPr>
-      </p:pic>
-      <p:pic>
-        <p:nvPicPr>
-          <p:cNvPr id="7" name="Picture 6"/>
-          <p:cNvPicPr>
-            <a:picLocks noChangeAspect="1"/>
-          </p:cNvPicPr>
-          <p:nvPr/>
-        </p:nvPicPr>
-        <p:blipFill rotWithShape="1">
-          <a:blip r:embed="rId2">
-            <a:extLst>
-              <a:ext uri="{28A0092B-C50C-407E-A947-70E740481C1C}">
-                <a14:useLocalDpi xmlns:a14="http://schemas.microsoft.com/office/drawing/2010/main" val="0"/>
-              </a:ext>
-            </a:extLst>
-          </a:blip>
-          <a:srcRect l="14445" t="28889" r="15881" b="35555"/>
-          <a:stretch/>
-        </p:blipFill>
-        <p:spPr>
-          <a:xfrm>
-            <a:off x="6431973" y="4385821"/>
-            <a:ext cx="2337954" cy="2121031"/>
-          </a:xfrm>
-          <a:prstGeom prst="rect">
-            <a:avLst/>
-          </a:prstGeom>
+          <a:effectLst>
+            <a:reflection blurRad="6350" stA="52000" endA="300" endPos="35000" dir="5400000" sy="-100000" algn="bl" rotWithShape="0"/>
+          </a:effectLst>
         </p:spPr>
       </p:pic>
     </p:spTree>
@@ -4283,6 +4124,13 @@
   <p:clrMapOvr>
     <a:masterClrMapping/>
   </p:clrMapOvr>
+  <p:timing>
+    <p:tnLst>
+      <p:par>
+        <p:cTn id="1" dur="indefinite" restart="never" nodeType="tmRoot"/>
+      </p:par>
+    </p:tnLst>
+  </p:timing>
 </p:sld>
 </file>
 
@@ -4353,14 +4201,15 @@
       </p:sp>
       <p:pic>
         <p:nvPicPr>
-          <p:cNvPr id="8" name="Picture 7"/>
+          <p:cNvPr id="12" name="Picture 11"/>
           <p:cNvPicPr>
             <a:picLocks noChangeAspect="1"/>
           </p:cNvPicPr>
           <p:nvPr/>
         </p:nvPicPr>
         <p:blipFill rotWithShape="1">
-          <a:blip r:embed="rId2">
+          <a:blip r:embed="rId2" cstate="print">
+            <a:lum bright="70000" contrast="-70000"/>
             <a:extLst>
               <a:ext uri="{28A0092B-C50C-407E-A947-70E740481C1C}">
                 <a14:useLocalDpi xmlns:a14="http://schemas.microsoft.com/office/drawing/2010/main" val="0"/>
@@ -4372,24 +4221,28 @@
         </p:blipFill>
         <p:spPr>
           <a:xfrm>
-            <a:off x="315190" y="228600"/>
-            <a:ext cx="2351809" cy="2133600"/>
+            <a:off x="533400" y="2286000"/>
+            <a:ext cx="1763856" cy="1600200"/>
           </a:xfrm>
           <a:prstGeom prst="rect">
             <a:avLst/>
           </a:prstGeom>
+          <a:effectLst>
+            <a:reflection blurRad="6350" stA="52000" endA="300" endPos="35000" dir="5400000" sy="-100000" algn="bl" rotWithShape="0"/>
+          </a:effectLst>
         </p:spPr>
       </p:pic>
       <p:pic>
         <p:nvPicPr>
-          <p:cNvPr id="9" name="Picture 8"/>
+          <p:cNvPr id="14" name="Picture 13"/>
           <p:cNvPicPr>
             <a:picLocks noChangeAspect="1"/>
           </p:cNvPicPr>
           <p:nvPr/>
         </p:nvPicPr>
         <p:blipFill rotWithShape="1">
-          <a:blip r:embed="rId2">
+          <a:blip r:embed="rId2" cstate="print">
+            <a:lum bright="70000" contrast="-70000"/>
             <a:extLst>
               <a:ext uri="{28A0092B-C50C-407E-A947-70E740481C1C}">
                 <a14:useLocalDpi xmlns:a14="http://schemas.microsoft.com/office/drawing/2010/main" val="0"/>
@@ -4401,70 +4254,15 @@
         </p:blipFill>
         <p:spPr>
           <a:xfrm>
-            <a:off x="6431973" y="228600"/>
-            <a:ext cx="2351809" cy="2133600"/>
+            <a:off x="6705599" y="2362200"/>
+            <a:ext cx="1679863" cy="1524000"/>
           </a:xfrm>
           <a:prstGeom prst="rect">
             <a:avLst/>
           </a:prstGeom>
-        </p:spPr>
-      </p:pic>
-      <p:pic>
-        <p:nvPicPr>
-          <p:cNvPr id="10" name="Picture 9"/>
-          <p:cNvPicPr>
-            <a:picLocks noChangeAspect="1"/>
-          </p:cNvPicPr>
-          <p:nvPr/>
-        </p:nvPicPr>
-        <p:blipFill rotWithShape="1">
-          <a:blip r:embed="rId2">
-            <a:extLst>
-              <a:ext uri="{28A0092B-C50C-407E-A947-70E740481C1C}">
-                <a14:useLocalDpi xmlns:a14="http://schemas.microsoft.com/office/drawing/2010/main" val="0"/>
-              </a:ext>
-            </a:extLst>
-          </a:blip>
-          <a:srcRect l="14445" t="28889" r="15881" b="35555"/>
-          <a:stretch/>
-        </p:blipFill>
-        <p:spPr>
-          <a:xfrm>
-            <a:off x="301335" y="4360683"/>
-            <a:ext cx="2365663" cy="2146169"/>
-          </a:xfrm>
-          <a:prstGeom prst="rect">
-            <a:avLst/>
-          </a:prstGeom>
-        </p:spPr>
-      </p:pic>
-      <p:pic>
-        <p:nvPicPr>
-          <p:cNvPr id="11" name="Picture 10"/>
-          <p:cNvPicPr>
-            <a:picLocks noChangeAspect="1"/>
-          </p:cNvPicPr>
-          <p:nvPr/>
-        </p:nvPicPr>
-        <p:blipFill rotWithShape="1">
-          <a:blip r:embed="rId2">
-            <a:extLst>
-              <a:ext uri="{28A0092B-C50C-407E-A947-70E740481C1C}">
-                <a14:useLocalDpi xmlns:a14="http://schemas.microsoft.com/office/drawing/2010/main" val="0"/>
-              </a:ext>
-            </a:extLst>
-          </a:blip>
-          <a:srcRect l="14445" t="28889" r="15881" b="35555"/>
-          <a:stretch/>
-        </p:blipFill>
-        <p:spPr>
-          <a:xfrm>
-            <a:off x="6431973" y="4385821"/>
-            <a:ext cx="2337954" cy="2121031"/>
-          </a:xfrm>
-          <a:prstGeom prst="rect">
-            <a:avLst/>
-          </a:prstGeom>
+          <a:effectLst>
+            <a:reflection blurRad="6350" stA="52000" endA="300" endPos="35000" dir="5400000" sy="-100000" algn="bl" rotWithShape="0"/>
+          </a:effectLst>
         </p:spPr>
       </p:pic>
     </p:spTree>
@@ -4477,6 +4275,13 @@
   <p:clrMapOvr>
     <a:masterClrMapping/>
   </p:clrMapOvr>
+  <p:timing>
+    <p:tnLst>
+      <p:par>
+        <p:cTn id="1" dur="indefinite" restart="never" nodeType="tmRoot"/>
+      </p:par>
+    </p:tnLst>
+  </p:timing>
 </p:sld>
 </file>
 
